--- a/project/final/report.pptx
+++ b/project/final/report.pptx
@@ -172,6 +172,9 @@
         </p15:guide>
       </p15:sldGuideLst>
     </p:ext>
+    <p:ext uri="{2D200454-40CA-4A62-9FC3-DE9A4176ACB9}">
+      <p15:notesGuideLst xmlns:p15="http://schemas.microsoft.com/office/powerpoint/2012/main"/>
+    </p:ext>
   </p:extLst>
 </p:presentation>
 </file>
@@ -258,7 +261,7 @@
           <a:p>
             <a:fld id="{2EE30D89-6038-4271-8231-1FCC1AD201D6}" type="datetimeFigureOut">
               <a:rPr lang="ko-KR" altLang="en-US" smtClean="0"/>
-              <a:t>2023-03-26</a:t>
+              <a:t>2023-03-28</a:t>
             </a:fld>
             <a:endParaRPr lang="ko-KR" altLang="en-US"/>
           </a:p>
@@ -600,6 +603,90 @@
     <p:extLst>
       <p:ext uri="{BB962C8B-B14F-4D97-AF65-F5344CB8AC3E}">
         <p14:creationId xmlns:p14="http://schemas.microsoft.com/office/powerpoint/2010/main" val="1645608733"/>
+      </p:ext>
+    </p:extLst>
+  </p:cSld>
+  <p:clrMapOvr>
+    <a:masterClrMapping/>
+  </p:clrMapOvr>
+</p:notes>
+</file>
+
+<file path=ppt/notesSlides/notesSlide10.xml><?xml version="1.0" encoding="utf-8"?>
+<p:notes xmlns:a="http://schemas.openxmlformats.org/drawingml/2006/main" xmlns:r="http://schemas.openxmlformats.org/officeDocument/2006/relationships" xmlns:p="http://schemas.openxmlformats.org/presentationml/2006/main">
+  <p:cSld>
+    <p:spTree>
+      <p:nvGrpSpPr>
+        <p:cNvPr id="1" name=""/>
+        <p:cNvGrpSpPr/>
+        <p:nvPr/>
+      </p:nvGrpSpPr>
+      <p:grpSpPr>
+        <a:xfrm>
+          <a:off x="0" y="0"/>
+          <a:ext cx="0" cy="0"/>
+          <a:chOff x="0" y="0"/>
+          <a:chExt cx="0" cy="0"/>
+        </a:xfrm>
+      </p:grpSpPr>
+      <p:sp>
+        <p:nvSpPr>
+          <p:cNvPr id="2" name="슬라이드 이미지 개체 틀 1"/>
+          <p:cNvSpPr>
+            <a:spLocks noGrp="1" noRot="1" noChangeAspect="1"/>
+          </p:cNvSpPr>
+          <p:nvPr>
+            <p:ph type="sldImg"/>
+          </p:nvPr>
+        </p:nvSpPr>
+        <p:spPr/>
+      </p:sp>
+      <p:sp>
+        <p:nvSpPr>
+          <p:cNvPr id="3" name="슬라이드 노트 개체 틀 2"/>
+          <p:cNvSpPr>
+            <a:spLocks noGrp="1"/>
+          </p:cNvSpPr>
+          <p:nvPr>
+            <p:ph type="body" idx="1"/>
+          </p:nvPr>
+        </p:nvSpPr>
+        <p:spPr/>
+        <p:txBody>
+          <a:bodyPr/>
+          <a:lstStyle/>
+          <a:p>
+            <a:endParaRPr lang="ko-KR" altLang="en-US" dirty="0"/>
+          </a:p>
+        </p:txBody>
+      </p:sp>
+      <p:sp>
+        <p:nvSpPr>
+          <p:cNvPr id="4" name="슬라이드 번호 개체 틀 3"/>
+          <p:cNvSpPr>
+            <a:spLocks noGrp="1"/>
+          </p:cNvSpPr>
+          <p:nvPr>
+            <p:ph type="sldNum" sz="quarter" idx="5"/>
+          </p:nvPr>
+        </p:nvSpPr>
+        <p:spPr/>
+        <p:txBody>
+          <a:bodyPr/>
+          <a:lstStyle/>
+          <a:p>
+            <a:fld id="{34C2BDA4-8EDF-4BA6-B864-AC22D668BF3C}" type="slidenum">
+              <a:rPr lang="ko-KR" altLang="en-US" smtClean="0"/>
+              <a:t>22</a:t>
+            </a:fld>
+            <a:endParaRPr lang="ko-KR" altLang="en-US"/>
+          </a:p>
+        </p:txBody>
+      </p:sp>
+    </p:spTree>
+    <p:extLst>
+      <p:ext uri="{BB962C8B-B14F-4D97-AF65-F5344CB8AC3E}">
+        <p14:creationId xmlns:p14="http://schemas.microsoft.com/office/powerpoint/2010/main" val="2243832081"/>
       </p:ext>
     </p:extLst>
   </p:cSld>
@@ -1262,7 +1349,7 @@
           <a:p>
             <a:fld id="{34C2BDA4-8EDF-4BA6-B864-AC22D668BF3C}" type="slidenum">
               <a:rPr lang="ko-KR" altLang="en-US" smtClean="0"/>
-              <a:t>22</a:t>
+              <a:t>19</a:t>
             </a:fld>
             <a:endParaRPr lang="ko-KR" altLang="en-US"/>
           </a:p>
@@ -1271,7 +1358,7 @@
     </p:spTree>
     <p:extLst>
       <p:ext uri="{BB962C8B-B14F-4D97-AF65-F5344CB8AC3E}">
-        <p14:creationId xmlns:p14="http://schemas.microsoft.com/office/powerpoint/2010/main" val="2243832081"/>
+        <p14:creationId xmlns:p14="http://schemas.microsoft.com/office/powerpoint/2010/main" val="750198990"/>
       </p:ext>
     </p:extLst>
   </p:cSld>
@@ -1461,7 +1548,7 @@
             <a:fld id="{1D8BD707-D9CF-40AE-B4C6-C98DA3205C09}" type="datetimeFigureOut">
               <a:rPr lang="en-US" smtClean="0"/>
               <a:pPr/>
-              <a:t>3/26/2023</a:t>
+              <a:t>3/28/2023</a:t>
             </a:fld>
             <a:endParaRPr lang="en-US"/>
           </a:p>
@@ -1626,7 +1713,7 @@
             <a:fld id="{1D8BD707-D9CF-40AE-B4C6-C98DA3205C09}" type="datetimeFigureOut">
               <a:rPr lang="en-US" smtClean="0"/>
               <a:pPr/>
-              <a:t>3/26/2023</a:t>
+              <a:t>3/28/2023</a:t>
             </a:fld>
             <a:endParaRPr lang="en-US"/>
           </a:p>
@@ -1801,7 +1888,7 @@
             <a:fld id="{1D8BD707-D9CF-40AE-B4C6-C98DA3205C09}" type="datetimeFigureOut">
               <a:rPr lang="en-US" smtClean="0"/>
               <a:pPr/>
-              <a:t>3/26/2023</a:t>
+              <a:t>3/28/2023</a:t>
             </a:fld>
             <a:endParaRPr lang="en-US"/>
           </a:p>
@@ -1966,7 +2053,7 @@
             <a:fld id="{1D8BD707-D9CF-40AE-B4C6-C98DA3205C09}" type="datetimeFigureOut">
               <a:rPr lang="en-US" smtClean="0"/>
               <a:pPr/>
-              <a:t>3/26/2023</a:t>
+              <a:t>3/28/2023</a:t>
             </a:fld>
             <a:endParaRPr lang="en-US"/>
           </a:p>
@@ -2208,7 +2295,7 @@
             <a:fld id="{1D8BD707-D9CF-40AE-B4C6-C98DA3205C09}" type="datetimeFigureOut">
               <a:rPr lang="en-US" smtClean="0"/>
               <a:pPr/>
-              <a:t>3/26/2023</a:t>
+              <a:t>3/28/2023</a:t>
             </a:fld>
             <a:endParaRPr lang="en-US"/>
           </a:p>
@@ -2490,7 +2577,7 @@
             <a:fld id="{1D8BD707-D9CF-40AE-B4C6-C98DA3205C09}" type="datetimeFigureOut">
               <a:rPr lang="en-US" smtClean="0"/>
               <a:pPr/>
-              <a:t>3/26/2023</a:t>
+              <a:t>3/28/2023</a:t>
             </a:fld>
             <a:endParaRPr lang="en-US"/>
           </a:p>
@@ -2906,7 +2993,7 @@
             <a:fld id="{1D8BD707-D9CF-40AE-B4C6-C98DA3205C09}" type="datetimeFigureOut">
               <a:rPr lang="en-US" smtClean="0"/>
               <a:pPr/>
-              <a:t>3/26/2023</a:t>
+              <a:t>3/28/2023</a:t>
             </a:fld>
             <a:endParaRPr lang="en-US"/>
           </a:p>
@@ -3020,7 +3107,7 @@
             <a:fld id="{1D8BD707-D9CF-40AE-B4C6-C98DA3205C09}" type="datetimeFigureOut">
               <a:rPr lang="en-US" smtClean="0"/>
               <a:pPr/>
-              <a:t>3/26/2023</a:t>
+              <a:t>3/28/2023</a:t>
             </a:fld>
             <a:endParaRPr lang="en-US"/>
           </a:p>
@@ -3112,7 +3199,7 @@
             <a:fld id="{1D8BD707-D9CF-40AE-B4C6-C98DA3205C09}" type="datetimeFigureOut">
               <a:rPr lang="en-US" smtClean="0"/>
               <a:pPr/>
-              <a:t>3/26/2023</a:t>
+              <a:t>3/28/2023</a:t>
             </a:fld>
             <a:endParaRPr lang="en-US"/>
           </a:p>
@@ -3384,7 +3471,7 @@
             <a:fld id="{1D8BD707-D9CF-40AE-B4C6-C98DA3205C09}" type="datetimeFigureOut">
               <a:rPr lang="en-US" smtClean="0"/>
               <a:pPr/>
-              <a:t>3/26/2023</a:t>
+              <a:t>3/28/2023</a:t>
             </a:fld>
             <a:endParaRPr lang="en-US"/>
           </a:p>
@@ -3633,7 +3720,7 @@
             <a:fld id="{1D8BD707-D9CF-40AE-B4C6-C98DA3205C09}" type="datetimeFigureOut">
               <a:rPr lang="en-US" smtClean="0"/>
               <a:pPr/>
-              <a:t>3/26/2023</a:t>
+              <a:t>3/28/2023</a:t>
             </a:fld>
             <a:endParaRPr lang="en-US"/>
           </a:p>
@@ -3841,7 +3928,7 @@
             <a:fld id="{1D8BD707-D9CF-40AE-B4C6-C98DA3205C09}" type="datetimeFigureOut">
               <a:rPr lang="en-US" smtClean="0"/>
               <a:pPr/>
-              <a:t>3/26/2023</a:t>
+              <a:t>3/28/2023</a:t>
             </a:fld>
             <a:endParaRPr lang="en-US"/>
           </a:p>
@@ -7019,10 +7106,10 @@
         </p:nvGrpSpPr>
         <p:grpSpPr>
           <a:xfrm>
-            <a:off x="8686800" y="1409700"/>
-            <a:ext cx="9067799" cy="1706086"/>
+            <a:off x="8686800" y="1943100"/>
+            <a:ext cx="9067799" cy="1117988"/>
             <a:chOff x="0" y="-28575"/>
-            <a:chExt cx="11600376" cy="1473529"/>
+            <a:chExt cx="11600376" cy="965595"/>
           </a:xfrm>
         </p:grpSpPr>
         <p:sp>
@@ -7085,7 +7172,7 @@
           <p:spPr>
             <a:xfrm>
               <a:off x="926079" y="571513"/>
-              <a:ext cx="9748216" cy="873441"/>
+              <a:ext cx="9748216" cy="365507"/>
             </a:xfrm>
             <a:prstGeom prst="rect">
               <a:avLst/>
@@ -7103,17 +7190,17 @@
                 </a:lnSpc>
               </a:pPr>
               <a:r>
-                <a:rPr lang="ko-KR" altLang="en-US" sz="2000" dirty="0">
+                <a:rPr lang="ko-KR" altLang="en-US" sz="2000" u="none" dirty="0">
                   <a:solidFill>
                     <a:srgbClr val="1B1B1B"/>
                   </a:solidFill>
                   <a:latin typeface="Poppins Light Bold" panose="020B0600000101010101" charset="0"/>
                   <a:cs typeface="Poppins Light Bold" panose="020B0600000101010101" charset="0"/>
                 </a:rPr>
-                <a:t>개인의 기록보다는 그룹 평균</a:t>
+                <a:t>메모리</a:t>
               </a:r>
               <a:r>
-                <a:rPr lang="en-US" altLang="ko-KR" sz="2000" dirty="0">
+                <a:rPr lang="en-US" altLang="ko-KR" sz="2000" u="none" dirty="0">
                   <a:solidFill>
                     <a:srgbClr val="1B1B1B"/>
                   </a:solidFill>
@@ -7123,58 +7210,14 @@
                 <a:t>, </a:t>
               </a:r>
               <a:r>
-                <a:rPr lang="ko-KR" altLang="en-US" sz="2000" dirty="0">
+                <a:rPr lang="ko-KR" altLang="en-US" sz="2000" u="none" dirty="0">
                   <a:solidFill>
                     <a:srgbClr val="1B1B1B"/>
                   </a:solidFill>
                   <a:latin typeface="Poppins Light Bold" panose="020B0600000101010101" charset="0"/>
                   <a:cs typeface="Poppins Light Bold" panose="020B0600000101010101" charset="0"/>
                 </a:rPr>
-                <a:t>그룹의 최댓값 등 그룹의 대푯값이 </a:t>
-              </a:r>
-              <a:endParaRPr lang="en-US" altLang="ko-KR" sz="2000" dirty="0">
-                <a:solidFill>
-                  <a:srgbClr val="1B1B1B"/>
-                </a:solidFill>
-                <a:latin typeface="Poppins Light Bold" panose="020B0600000101010101" charset="0"/>
-                <a:cs typeface="Poppins Light Bold" panose="020B0600000101010101" charset="0"/>
-              </a:endParaRPr>
-            </a:p>
-            <a:p>
-              <a:pPr marL="0" lvl="0" indent="0">
-                <a:lnSpc>
-                  <a:spcPct val="150000"/>
-                </a:lnSpc>
-              </a:pPr>
-              <a:r>
-                <a:rPr lang="ko-KR" altLang="en-US" sz="2000" dirty="0">
-                  <a:solidFill>
-                    <a:srgbClr val="1B1B1B"/>
-                  </a:solidFill>
-                  <a:latin typeface="Poppins Light Bold" panose="020B0600000101010101" charset="0"/>
-                  <a:cs typeface="Poppins Light Bold" panose="020B0600000101010101" charset="0"/>
-                </a:rPr>
-                <a:t>최종 순위 예측에 더 효과적일 것임</a:t>
-              </a:r>
-              <a:r>
-                <a:rPr lang="en-US" altLang="ko-KR" sz="2000" dirty="0">
-                  <a:solidFill>
-                    <a:srgbClr val="1B1B1B"/>
-                  </a:solidFill>
-                  <a:latin typeface="Poppins Light Bold" panose="020B0600000101010101" charset="0"/>
-                  <a:cs typeface="Poppins Light Bold" panose="020B0600000101010101" charset="0"/>
-                </a:rPr>
-                <a:t>.</a:t>
-              </a:r>
-              <a:r>
-                <a:rPr lang="ko-KR" altLang="en-US" sz="2000" dirty="0">
-                  <a:solidFill>
-                    <a:srgbClr val="1B1B1B"/>
-                  </a:solidFill>
-                  <a:latin typeface="Poppins Light Bold" panose="020B0600000101010101" charset="0"/>
-                  <a:cs typeface="Poppins Light Bold" panose="020B0600000101010101" charset="0"/>
-                </a:rPr>
-                <a:t> </a:t>
+                <a:t>시간을 절약하기 위해 데이터 타입 변경</a:t>
               </a:r>
               <a:endParaRPr lang="en-US" sz="2000" u="none" dirty="0">
                 <a:solidFill>
@@ -7291,10 +7334,10 @@
         </p:nvGrpSpPr>
         <p:grpSpPr>
           <a:xfrm>
-            <a:off x="8686800" y="4044252"/>
-            <a:ext cx="8877290" cy="2166048"/>
+            <a:off x="8686800" y="4400240"/>
+            <a:ext cx="8877290" cy="1105802"/>
             <a:chOff x="0" y="-28575"/>
-            <a:chExt cx="11836387" cy="1906038"/>
+            <a:chExt cx="11836387" cy="973063"/>
           </a:xfrm>
         </p:grpSpPr>
         <p:sp>
@@ -7369,7 +7412,7 @@
           <p:spPr>
             <a:xfrm>
               <a:off x="965199" y="572095"/>
-              <a:ext cx="10871188" cy="1305368"/>
+              <a:ext cx="10871188" cy="372393"/>
             </a:xfrm>
             <a:prstGeom prst="rect">
               <a:avLst/>
@@ -7387,96 +7430,18 @@
                 </a:lnSpc>
               </a:pPr>
               <a:r>
-                <a:rPr lang="ko-KR" altLang="en-US" sz="2000" dirty="0">
-                  <a:latin typeface="Poppins Light Bold" panose="020B0600000101010101" charset="0"/>
-                  <a:cs typeface="Poppins Light Bold" panose="020B0600000101010101" charset="0"/>
-                </a:rPr>
-                <a:t>매치 내의 킬 순위를 나타내는 </a:t>
-              </a:r>
-              <a:r>
                 <a:rPr lang="en-US" altLang="ko-KR" sz="2000" dirty="0">
                   <a:latin typeface="Poppins Light Bold" panose="020B0600000101010101" charset="0"/>
                   <a:cs typeface="Poppins Light Bold" panose="020B0600000101010101" charset="0"/>
                 </a:rPr>
-                <a:t>killPlace </a:t>
+                <a:t> killPlace </a:t>
               </a:r>
               <a:r>
                 <a:rPr lang="ko-KR" altLang="en-US" sz="2000" dirty="0">
                   <a:latin typeface="Poppins Light Bold" panose="020B0600000101010101" charset="0"/>
                   <a:cs typeface="Poppins Light Bold" panose="020B0600000101010101" charset="0"/>
                 </a:rPr>
-                <a:t>변수의 변수중요도가 </a:t>
-              </a:r>
-              <a:endParaRPr lang="en-US" altLang="ko-KR" sz="2000" dirty="0">
-                <a:latin typeface="Poppins Light Bold" panose="020B0600000101010101" charset="0"/>
-                <a:cs typeface="Poppins Light Bold" panose="020B0600000101010101" charset="0"/>
-              </a:endParaRPr>
-            </a:p>
-            <a:p>
-              <a:pPr>
-                <a:lnSpc>
-                  <a:spcPct val="150000"/>
-                </a:lnSpc>
-              </a:pPr>
-              <a:r>
-                <a:rPr lang="en-US" altLang="ko-KR" sz="2000" dirty="0">
-                  <a:latin typeface="Poppins Light Bold" panose="020B0600000101010101" charset="0"/>
-                  <a:cs typeface="Poppins Light Bold" panose="020B0600000101010101" charset="0"/>
-                </a:rPr>
-                <a:t>Baseline </a:t>
-              </a:r>
-              <a:r>
-                <a:rPr lang="ko-KR" altLang="en-US" sz="2000" dirty="0">
-                  <a:latin typeface="Poppins Light Bold" panose="020B0600000101010101" charset="0"/>
-                  <a:cs typeface="Poppins Light Bold" panose="020B0600000101010101" charset="0"/>
-                </a:rPr>
-                <a:t>모델에서 매우 높게 나타남</a:t>
-              </a:r>
-              <a:r>
-                <a:rPr lang="en-US" altLang="ko-KR" sz="2000" dirty="0">
-                  <a:latin typeface="Poppins Light Bold" panose="020B0600000101010101" charset="0"/>
-                  <a:cs typeface="Poppins Light Bold" panose="020B0600000101010101" charset="0"/>
-                </a:rPr>
-                <a:t>. </a:t>
-              </a:r>
-              <a:r>
-                <a:rPr lang="ko-KR" altLang="en-US" sz="2000" dirty="0">
-                  <a:latin typeface="Poppins Light Bold" panose="020B0600000101010101" charset="0"/>
-                  <a:cs typeface="Poppins Light Bold" panose="020B0600000101010101" charset="0"/>
-                </a:rPr>
-                <a:t>따라서</a:t>
-              </a:r>
-              <a:r>
-                <a:rPr lang="en-US" altLang="ko-KR" sz="2000" dirty="0">
-                  <a:latin typeface="Poppins Light Bold" panose="020B0600000101010101" charset="0"/>
-                  <a:cs typeface="Poppins Light Bold" panose="020B0600000101010101" charset="0"/>
-                </a:rPr>
-                <a:t>, </a:t>
-              </a:r>
-              <a:r>
-                <a:rPr lang="ko-KR" altLang="en-US" sz="2000" dirty="0">
-                  <a:latin typeface="Poppins Light Bold" panose="020B0600000101010101" charset="0"/>
-                  <a:cs typeface="Poppins Light Bold" panose="020B0600000101010101" charset="0"/>
-                </a:rPr>
-                <a:t>해당 변수가</a:t>
-              </a:r>
-              <a:endParaRPr lang="en-US" altLang="ko-KR" sz="2000" dirty="0">
-                <a:latin typeface="Poppins Light Bold" panose="020B0600000101010101" charset="0"/>
-                <a:cs typeface="Poppins Light Bold" panose="020B0600000101010101" charset="0"/>
-              </a:endParaRPr>
-            </a:p>
-            <a:p>
-              <a:pPr>
-                <a:lnSpc>
-                  <a:spcPct val="150000"/>
-                </a:lnSpc>
-              </a:pPr>
-              <a:r>
-                <a:rPr lang="ko-KR" altLang="en-US" sz="2000" dirty="0">
-                  <a:latin typeface="Poppins Light Bold" panose="020B0600000101010101" charset="0"/>
-                  <a:cs typeface="Poppins Light Bold" panose="020B0600000101010101" charset="0"/>
-                </a:rPr>
-                <a:t>최종 순위에 대해 중요한 정보를 갖고 있을 것임</a:t>
+                <a:t>변수를 통해서 그룹 간의 순위 관계를 추론함</a:t>
               </a:r>
               <a:r>
                 <a:rPr lang="en-US" altLang="ko-KR" sz="2000" dirty="0">
@@ -7543,10 +7508,10 @@
         </p:nvGrpSpPr>
         <p:grpSpPr>
           <a:xfrm>
-            <a:off x="8686800" y="7000568"/>
-            <a:ext cx="8877290" cy="2029132"/>
+            <a:off x="8686800" y="6753510"/>
+            <a:ext cx="8877290" cy="1567468"/>
             <a:chOff x="0" y="-28575"/>
-            <a:chExt cx="11836387" cy="1785557"/>
+            <a:chExt cx="11836387" cy="1379311"/>
           </a:xfrm>
         </p:grpSpPr>
         <p:sp>
@@ -7621,7 +7586,7 @@
           <p:spPr>
             <a:xfrm>
               <a:off x="965199" y="572095"/>
-              <a:ext cx="10871188" cy="1184887"/>
+              <a:ext cx="10871188" cy="778641"/>
             </a:xfrm>
             <a:prstGeom prst="rect">
               <a:avLst/>
@@ -7639,11 +7604,18 @@
                 </a:lnSpc>
               </a:pPr>
               <a:r>
+                <a:rPr lang="en-US" altLang="ko-KR" sz="2000" dirty="0">
+                  <a:latin typeface="Poppins Light Bold" panose="020B0600000101010101" charset="0"/>
+                  <a:cs typeface="Poppins Light Bold" panose="020B0600000101010101" charset="0"/>
+                </a:rPr>
+                <a:t>Continuous value</a:t>
+              </a:r>
+              <a:r>
                 <a:rPr lang="ko-KR" altLang="en-US" sz="2000" dirty="0">
                   <a:latin typeface="Poppins Light Bold" panose="020B0600000101010101" charset="0"/>
                   <a:cs typeface="Poppins Light Bold" panose="020B0600000101010101" charset="0"/>
                 </a:rPr>
-                <a:t>모든 기록은 그 자체의 기록보다 해당 매치에서의 순위가</a:t>
+                <a:t>인 예측값을 실제 그룹 수를 고려해 </a:t>
               </a:r>
               <a:endParaRPr lang="en-US" altLang="ko-KR" sz="2000" dirty="0">
                 <a:latin typeface="Poppins Light Bold" panose="020B0600000101010101" charset="0"/>
@@ -7657,96 +7629,19 @@
                 </a:lnSpc>
               </a:pPr>
               <a:r>
-                <a:rPr lang="ko-KR" altLang="en-US" sz="2000" dirty="0">
-                  <a:solidFill>
-                    <a:srgbClr val="1B1B1B"/>
-                  </a:solidFill>
+                <a:rPr lang="en-US" altLang="ko-KR" sz="2000" dirty="0">
                   <a:latin typeface="Poppins Light Bold" panose="020B0600000101010101" charset="0"/>
                   <a:cs typeface="Poppins Light Bold" panose="020B0600000101010101" charset="0"/>
                 </a:rPr>
-                <a:t>최종 순위 예측에 더 효과적일 것임</a:t>
+                <a:t>Discrete value</a:t>
               </a:r>
               <a:r>
-                <a:rPr lang="en-US" altLang="ko-KR" sz="2000" dirty="0">
-                  <a:solidFill>
-                    <a:srgbClr val="1B1B1B"/>
-                  </a:solidFill>
+                <a:rPr lang="ko-KR" altLang="en-US" sz="2000" dirty="0">
                   <a:latin typeface="Poppins Light Bold" panose="020B0600000101010101" charset="0"/>
                   <a:cs typeface="Poppins Light Bold" panose="020B0600000101010101" charset="0"/>
                 </a:rPr>
-                <a:t>.</a:t>
+                <a:t>로 변환함으로써 정확한 예측값을 계산함</a:t>
               </a:r>
-              <a:r>
-                <a:rPr lang="ko-KR" altLang="en-US" sz="2000" dirty="0">
-                  <a:solidFill>
-                    <a:srgbClr val="1B1B1B"/>
-                  </a:solidFill>
-                  <a:latin typeface="Poppins Light Bold" panose="020B0600000101010101" charset="0"/>
-                  <a:cs typeface="Poppins Light Bold" panose="020B0600000101010101" charset="0"/>
-                </a:rPr>
-                <a:t> </a:t>
-              </a:r>
-              <a:endParaRPr lang="en-US" altLang="ko-KR" sz="2000" dirty="0">
-                <a:solidFill>
-                  <a:srgbClr val="1B1B1B"/>
-                </a:solidFill>
-                <a:latin typeface="Poppins Light Bold" panose="020B0600000101010101" charset="0"/>
-                <a:cs typeface="Poppins Light Bold" panose="020B0600000101010101" charset="0"/>
-              </a:endParaRPr>
-            </a:p>
-            <a:p>
-              <a:pPr>
-                <a:lnSpc>
-                  <a:spcPct val="150000"/>
-                </a:lnSpc>
-              </a:pPr>
-              <a:r>
-                <a:rPr lang="en-US" altLang="ko-KR" sz="2000" dirty="0">
-                  <a:solidFill>
-                    <a:srgbClr val="1B1B1B"/>
-                  </a:solidFill>
-                  <a:latin typeface="Poppins Light Bold" panose="020B0600000101010101" charset="0"/>
-                  <a:cs typeface="Poppins Light Bold" panose="020B0600000101010101" charset="0"/>
-                </a:rPr>
-                <a:t>Ex. kill &lt; </a:t>
-              </a:r>
-              <a:r>
-                <a:rPr lang="ko-KR" altLang="en-US" sz="2000" dirty="0">
-                  <a:solidFill>
-                    <a:srgbClr val="1B1B1B"/>
-                  </a:solidFill>
-                  <a:latin typeface="Poppins Light Bold" panose="020B0600000101010101" charset="0"/>
-                  <a:cs typeface="Poppins Light Bold" panose="020B0600000101010101" charset="0"/>
-                </a:rPr>
-                <a:t>매치 내 </a:t>
-              </a:r>
-              <a:r>
-                <a:rPr lang="en-US" altLang="ko-KR" sz="2000" dirty="0">
-                  <a:solidFill>
-                    <a:srgbClr val="1B1B1B"/>
-                  </a:solidFill>
-                  <a:latin typeface="Poppins Light Bold" panose="020B0600000101010101" charset="0"/>
-                  <a:cs typeface="Poppins Light Bold" panose="020B0600000101010101" charset="0"/>
-                </a:rPr>
-                <a:t>kill </a:t>
-              </a:r>
-              <a:r>
-                <a:rPr lang="ko-KR" altLang="en-US" sz="2000" dirty="0">
-                  <a:solidFill>
-                    <a:srgbClr val="1B1B1B"/>
-                  </a:solidFill>
-                  <a:latin typeface="Poppins Light Bold" panose="020B0600000101010101" charset="0"/>
-                  <a:cs typeface="Poppins Light Bold" panose="020B0600000101010101" charset="0"/>
-                </a:rPr>
-                <a:t>순위</a:t>
-              </a:r>
-              <a:endParaRPr lang="en-US" altLang="ko-KR" sz="2000" dirty="0">
-                <a:solidFill>
-                  <a:srgbClr val="1B1B1B"/>
-                </a:solidFill>
-                <a:latin typeface="Poppins Light Bold" panose="020B0600000101010101" charset="0"/>
-                <a:cs typeface="Poppins Light Bold" panose="020B0600000101010101" charset="0"/>
-              </a:endParaRPr>
             </a:p>
           </p:txBody>
         </p:sp>
@@ -7767,7 +7662,7 @@
         </p:nvCxnSpPr>
         <p:spPr>
           <a:xfrm>
-            <a:off x="9000000" y="3390900"/>
+            <a:off x="9000000" y="3746888"/>
             <a:ext cx="8182409" cy="0"/>
           </a:xfrm>
           <a:prstGeom prst="line">
@@ -7810,7 +7705,7 @@
         </p:nvCxnSpPr>
         <p:spPr>
           <a:xfrm>
-            <a:off x="9000000" y="6515100"/>
+            <a:off x="9000000" y="6268042"/>
             <a:ext cx="8182409" cy="0"/>
           </a:xfrm>
           <a:prstGeom prst="line">
@@ -12444,7 +12339,7 @@
                 <a:latin typeface="Poppins Medium Bold"/>
                 <a:cs typeface="Poppins Medium Bold" panose="020B0600000101010101" charset="0"/>
               </a:rPr>
-              <a:t>case 1 : Can be inferenced exactly</a:t>
+              <a:t>case 1 : Can be inferred exactly</a:t>
             </a:r>
             <a:endParaRPr lang="en-US" altLang="ko-KR" sz="4000" spc="-28" dirty="0">
               <a:solidFill>
@@ -14005,7 +13900,7 @@
                 <a:latin typeface="Poppins Medium Bold"/>
                 <a:cs typeface="Poppins Medium Bold" panose="020B0600000101010101" charset="0"/>
               </a:rPr>
-              <a:t>case 2 : Cannot be inferenced exactly</a:t>
+              <a:t>case 2 : Cannot be inferred exactly</a:t>
             </a:r>
             <a:endParaRPr lang="en-US" altLang="ko-KR" sz="4000" spc="-28" dirty="0">
               <a:solidFill>
@@ -15425,7 +15320,7 @@
                 <a:latin typeface="Poppins Medium Bold"/>
                 <a:cs typeface="Poppins Medium Bold" panose="020B0600000101010101" charset="0"/>
               </a:rPr>
-              <a:t>case 2 : Cannot be inferenced exactly</a:t>
+              <a:t>case 2 : Cannot be inferred exactly</a:t>
             </a:r>
             <a:endParaRPr lang="en-US" altLang="ko-KR" sz="4000" spc="-28" dirty="0">
               <a:solidFill>
@@ -16860,11 +16755,17 @@
           <p:cNvGraphicFramePr>
             <a:graphicFrameLocks noGrp="1"/>
           </p:cNvGraphicFramePr>
-          <p:nvPr/>
+          <p:nvPr>
+            <p:extLst>
+              <p:ext uri="{D42A27DB-BD31-4B8C-83A1-F6EECF244321}">
+                <p14:modId xmlns:p14="http://schemas.microsoft.com/office/powerpoint/2010/main" val="620322543"/>
+              </p:ext>
+            </p:extLst>
+          </p:nvPr>
         </p:nvGraphicFramePr>
         <p:xfrm>
-          <a:off x="2978727" y="4427217"/>
-          <a:ext cx="4641273" cy="5109811"/>
+          <a:off x="2978727" y="5143500"/>
+          <a:ext cx="4641273" cy="4495799"/>
         </p:xfrm>
         <a:graphic>
           <a:graphicData uri="http://schemas.openxmlformats.org/drawingml/2006/table">
@@ -16888,7 +16789,7 @@
                   </a:extLst>
                 </a:gridCol>
               </a:tblGrid>
-              <a:tr h="729973">
+              <a:tr h="642257">
                 <a:tc>
                   <a:txBody>
                     <a:bodyPr/>
@@ -17057,7 +16958,7 @@
                   </a:ext>
                 </a:extLst>
               </a:tr>
-              <a:tr h="729973">
+              <a:tr h="642257">
                 <a:tc>
                   <a:txBody>
                     <a:bodyPr/>
@@ -17221,7 +17122,7 @@
                   </a:ext>
                 </a:extLst>
               </a:tr>
-              <a:tr h="729973">
+              <a:tr h="642257">
                 <a:tc>
                   <a:txBody>
                     <a:bodyPr/>
@@ -17390,7 +17291,7 @@
                   </a:ext>
                 </a:extLst>
               </a:tr>
-              <a:tr h="729973">
+              <a:tr h="642257">
                 <a:tc>
                   <a:txBody>
                     <a:bodyPr/>
@@ -17559,7 +17460,7 @@
                   </a:ext>
                 </a:extLst>
               </a:tr>
-              <a:tr h="729973">
+              <a:tr h="642257">
                 <a:tc>
                   <a:txBody>
                     <a:bodyPr/>
@@ -17716,7 +17617,7 @@
                   </a:ext>
                 </a:extLst>
               </a:tr>
-              <a:tr h="729973">
+              <a:tr h="642257">
                 <a:tc>
                   <a:txBody>
                     <a:bodyPr/>
@@ -17873,7 +17774,7 @@
                   </a:ext>
                 </a:extLst>
               </a:tr>
-              <a:tr h="729973">
+              <a:tr h="642257">
                 <a:tc>
                   <a:txBody>
                     <a:bodyPr/>
@@ -18048,8 +17949,8 @@
         </p:nvSpPr>
         <p:spPr>
           <a:xfrm>
-            <a:off x="8809307" y="6677942"/>
-            <a:ext cx="669386" cy="669323"/>
+            <a:off x="8809307" y="6860642"/>
+            <a:ext cx="669386" cy="588895"/>
           </a:xfrm>
           <a:prstGeom prst="rightArrow">
             <a:avLst/>
@@ -18102,11 +18003,17 @@
           <p:cNvGraphicFramePr>
             <a:graphicFrameLocks noGrp="1"/>
           </p:cNvGraphicFramePr>
-          <p:nvPr/>
+          <p:nvPr>
+            <p:extLst>
+              <p:ext uri="{D42A27DB-BD31-4B8C-83A1-F6EECF244321}">
+                <p14:modId xmlns:p14="http://schemas.microsoft.com/office/powerpoint/2010/main" val="3121177738"/>
+              </p:ext>
+            </p:extLst>
+          </p:nvPr>
         </p:nvGraphicFramePr>
         <p:xfrm>
-          <a:off x="10694618" y="4427217"/>
-          <a:ext cx="4641273" cy="5109811"/>
+          <a:off x="10694618" y="5143500"/>
+          <a:ext cx="4641273" cy="4495799"/>
         </p:xfrm>
         <a:graphic>
           <a:graphicData uri="http://schemas.openxmlformats.org/drawingml/2006/table">
@@ -18130,7 +18037,7 @@
                   </a:extLst>
                 </a:gridCol>
               </a:tblGrid>
-              <a:tr h="729973">
+              <a:tr h="642257">
                 <a:tc>
                   <a:txBody>
                     <a:bodyPr/>
@@ -18299,7 +18206,7 @@
                   </a:ext>
                 </a:extLst>
               </a:tr>
-              <a:tr h="729973">
+              <a:tr h="642257">
                 <a:tc>
                   <a:txBody>
                     <a:bodyPr/>
@@ -18463,7 +18370,7 @@
                   </a:ext>
                 </a:extLst>
               </a:tr>
-              <a:tr h="729973">
+              <a:tr h="642257">
                 <a:tc>
                   <a:txBody>
                     <a:bodyPr/>
@@ -18632,7 +18539,7 @@
                   </a:ext>
                 </a:extLst>
               </a:tr>
-              <a:tr h="729973">
+              <a:tr h="642257">
                 <a:tc>
                   <a:txBody>
                     <a:bodyPr/>
@@ -18801,7 +18708,7 @@
                   </a:ext>
                 </a:extLst>
               </a:tr>
-              <a:tr h="729973">
+              <a:tr h="642257">
                 <a:tc>
                   <a:txBody>
                     <a:bodyPr/>
@@ -18958,7 +18865,7 @@
                   </a:ext>
                 </a:extLst>
               </a:tr>
-              <a:tr h="729973">
+              <a:tr h="642257">
                 <a:tc>
                   <a:txBody>
                     <a:bodyPr/>
@@ -19115,7 +19022,7 @@
                   </a:ext>
                 </a:extLst>
               </a:tr>
-              <a:tr h="729973">
+              <a:tr h="642257">
                 <a:tc>
                   <a:txBody>
                     <a:bodyPr/>
@@ -19356,6 +19263,114 @@
                 <a:srgbClr val="4D2EB2"/>
               </a:solidFill>
               <a:latin typeface="Poppins Medium Bold"/>
+            </a:endParaRPr>
+          </a:p>
+        </p:txBody>
+      </p:sp>
+      <p:sp>
+        <p:nvSpPr>
+          <p:cNvPr id="12" name="TextBox 6">
+            <a:extLst>
+              <a:ext uri="{FF2B5EF4-FFF2-40B4-BE49-F238E27FC236}">
+                <a16:creationId xmlns:a16="http://schemas.microsoft.com/office/drawing/2014/main" id="{677A258C-F176-4CA9-9177-8A0A6DC93417}"/>
+              </a:ext>
+            </a:extLst>
+          </p:cNvPr>
+          <p:cNvSpPr txBox="1"/>
+          <p:nvPr/>
+        </p:nvSpPr>
+        <p:spPr>
+          <a:xfrm>
+            <a:off x="1676400" y="4110833"/>
+            <a:ext cx="6957435" cy="423193"/>
+          </a:xfrm>
+          <a:prstGeom prst="rect">
+            <a:avLst/>
+          </a:prstGeom>
+        </p:spPr>
+        <p:txBody>
+          <a:bodyPr wrap="square" lIns="0" tIns="0" rIns="0" bIns="0" rtlCol="0" anchor="t">
+            <a:spAutoFit/>
+          </a:bodyPr>
+          <a:lstStyle/>
+          <a:p>
+            <a:pPr>
+              <a:lnSpc>
+                <a:spcPct val="150000"/>
+              </a:lnSpc>
+            </a:pPr>
+            <a:r>
+              <a:rPr lang="en-US" altLang="ko-KR" sz="2000" dirty="0">
+                <a:latin typeface="Poppins Light Bold" panose="020B0600000101010101" charset="0"/>
+                <a:cs typeface="Poppins Light Bold" panose="020B0600000101010101" charset="0"/>
+              </a:rPr>
+              <a:t>- ex. </a:t>
+            </a:r>
+            <a:r>
+              <a:rPr lang="ko-KR" altLang="en-US" sz="2000" dirty="0">
+                <a:latin typeface="Poppins Light Bold" panose="020B0600000101010101" charset="0"/>
+                <a:cs typeface="Poppins Light Bold" panose="020B0600000101010101" charset="0"/>
+              </a:rPr>
+              <a:t>매치 내 </a:t>
+            </a:r>
+            <a:r>
+              <a:rPr lang="en-US" altLang="ko-KR" sz="2000" dirty="0">
+                <a:latin typeface="Poppins Light Bold" panose="020B0600000101010101" charset="0"/>
+                <a:cs typeface="Poppins Light Bold" panose="020B0600000101010101" charset="0"/>
+              </a:rPr>
+              <a:t>6</a:t>
+            </a:r>
+            <a:r>
+              <a:rPr lang="ko-KR" altLang="en-US" sz="2000" dirty="0">
+                <a:latin typeface="Poppins Light Bold" panose="020B0600000101010101" charset="0"/>
+                <a:cs typeface="Poppins Light Bold" panose="020B0600000101010101" charset="0"/>
+              </a:rPr>
+              <a:t>개의 그룹이 존재하는 경우</a:t>
+            </a:r>
+          </a:p>
+        </p:txBody>
+      </p:sp>
+      <p:sp>
+        <p:nvSpPr>
+          <p:cNvPr id="2" name="직사각형 1">
+            <a:extLst>
+              <a:ext uri="{FF2B5EF4-FFF2-40B4-BE49-F238E27FC236}">
+                <a16:creationId xmlns:a16="http://schemas.microsoft.com/office/drawing/2014/main" id="{B5EECF75-8C97-42FA-8360-7F7AE2CD94B8}"/>
+              </a:ext>
+            </a:extLst>
+          </p:cNvPr>
+          <p:cNvSpPr/>
+          <p:nvPr/>
+        </p:nvSpPr>
+        <p:spPr>
+          <a:xfrm>
+            <a:off x="7963228" y="6222080"/>
+            <a:ext cx="2361544" cy="630942"/>
+          </a:xfrm>
+          <a:prstGeom prst="rect">
+            <a:avLst/>
+          </a:prstGeom>
+        </p:spPr>
+        <p:txBody>
+          <a:bodyPr wrap="none">
+            <a:spAutoFit/>
+          </a:bodyPr>
+          <a:lstStyle/>
+          <a:p>
+            <a:r>
+              <a:rPr lang="en-US" altLang="ko-KR" sz="3500" dirty="0">
+                <a:solidFill>
+                  <a:srgbClr val="FF0000"/>
+                </a:solidFill>
+                <a:latin typeface="Poppins Medium Bold" panose="020B0600000101010101" charset="0"/>
+                <a:cs typeface="Poppins Medium Bold" panose="020B0600000101010101" charset="0"/>
+              </a:rPr>
+              <a:t>“Convert”</a:t>
+            </a:r>
+            <a:endParaRPr lang="ko-KR" altLang="en-US" sz="3500" dirty="0">
+              <a:solidFill>
+                <a:srgbClr val="FF0000"/>
+              </a:solidFill>
             </a:endParaRPr>
           </a:p>
         </p:txBody>
